--- a/fig/EGF_exercise_v01.pptx
+++ b/fig/EGF_exercise_v01.pptx
@@ -111,6 +111,11 @@
       </a:defRPr>
     </a:lvl9pPr>
   </p:defaultTextStyle>
+  <p:extLst>
+    <p:ext uri="{EFAFB233-063F-42B5-8137-9DF3F51BA10A}">
+      <p15:sldGuideLst xmlns:p15="http://schemas.microsoft.com/office/powerpoint/2012/main"/>
+    </p:ext>
+  </p:extLst>
 </p:presentation>
 </file>
 
@@ -261,7 +266,7 @@
           <a:p>
             <a:fld id="{751781EA-E54C-F544-A8E3-30743CE1B1E0}" type="datetimeFigureOut">
               <a:rPr lang="en-US" smtClean="0"/>
-              <a:t>2/3/19</a:t>
+              <a:t>2/4/19</a:t>
             </a:fld>
             <a:endParaRPr lang="en-US"/>
           </a:p>
@@ -459,7 +464,7 @@
           <a:p>
             <a:fld id="{751781EA-E54C-F544-A8E3-30743CE1B1E0}" type="datetimeFigureOut">
               <a:rPr lang="en-US" smtClean="0"/>
-              <a:t>2/3/19</a:t>
+              <a:t>2/4/19</a:t>
             </a:fld>
             <a:endParaRPr lang="en-US"/>
           </a:p>
@@ -667,7 +672,7 @@
           <a:p>
             <a:fld id="{751781EA-E54C-F544-A8E3-30743CE1B1E0}" type="datetimeFigureOut">
               <a:rPr lang="en-US" smtClean="0"/>
-              <a:t>2/3/19</a:t>
+              <a:t>2/4/19</a:t>
             </a:fld>
             <a:endParaRPr lang="en-US"/>
           </a:p>
@@ -865,7 +870,7 @@
           <a:p>
             <a:fld id="{751781EA-E54C-F544-A8E3-30743CE1B1E0}" type="datetimeFigureOut">
               <a:rPr lang="en-US" smtClean="0"/>
-              <a:t>2/3/19</a:t>
+              <a:t>2/4/19</a:t>
             </a:fld>
             <a:endParaRPr lang="en-US"/>
           </a:p>
@@ -1140,7 +1145,7 @@
           <a:p>
             <a:fld id="{751781EA-E54C-F544-A8E3-30743CE1B1E0}" type="datetimeFigureOut">
               <a:rPr lang="en-US" smtClean="0"/>
-              <a:t>2/3/19</a:t>
+              <a:t>2/4/19</a:t>
             </a:fld>
             <a:endParaRPr lang="en-US"/>
           </a:p>
@@ -1405,7 +1410,7 @@
           <a:p>
             <a:fld id="{751781EA-E54C-F544-A8E3-30743CE1B1E0}" type="datetimeFigureOut">
               <a:rPr lang="en-US" smtClean="0"/>
-              <a:t>2/3/19</a:t>
+              <a:t>2/4/19</a:t>
             </a:fld>
             <a:endParaRPr lang="en-US"/>
           </a:p>
@@ -1817,7 +1822,7 @@
           <a:p>
             <a:fld id="{751781EA-E54C-F544-A8E3-30743CE1B1E0}" type="datetimeFigureOut">
               <a:rPr lang="en-US" smtClean="0"/>
-              <a:t>2/3/19</a:t>
+              <a:t>2/4/19</a:t>
             </a:fld>
             <a:endParaRPr lang="en-US"/>
           </a:p>
@@ -1958,7 +1963,7 @@
           <a:p>
             <a:fld id="{751781EA-E54C-F544-A8E3-30743CE1B1E0}" type="datetimeFigureOut">
               <a:rPr lang="en-US" smtClean="0"/>
-              <a:t>2/3/19</a:t>
+              <a:t>2/4/19</a:t>
             </a:fld>
             <a:endParaRPr lang="en-US"/>
           </a:p>
@@ -2071,7 +2076,7 @@
           <a:p>
             <a:fld id="{751781EA-E54C-F544-A8E3-30743CE1B1E0}" type="datetimeFigureOut">
               <a:rPr lang="en-US" smtClean="0"/>
-              <a:t>2/3/19</a:t>
+              <a:t>2/4/19</a:t>
             </a:fld>
             <a:endParaRPr lang="en-US"/>
           </a:p>
@@ -2382,7 +2387,7 @@
           <a:p>
             <a:fld id="{751781EA-E54C-F544-A8E3-30743CE1B1E0}" type="datetimeFigureOut">
               <a:rPr lang="en-US" smtClean="0"/>
-              <a:t>2/3/19</a:t>
+              <a:t>2/4/19</a:t>
             </a:fld>
             <a:endParaRPr lang="en-US"/>
           </a:p>
@@ -2670,7 +2675,7 @@
           <a:p>
             <a:fld id="{751781EA-E54C-F544-A8E3-30743CE1B1E0}" type="datetimeFigureOut">
               <a:rPr lang="en-US" smtClean="0"/>
-              <a:t>2/3/19</a:t>
+              <a:t>2/4/19</a:t>
             </a:fld>
             <a:endParaRPr lang="en-US"/>
           </a:p>
@@ -2913,7 +2918,7 @@
             <a:fld id="{751781EA-E54C-F544-A8E3-30743CE1B1E0}" type="datetimeFigureOut">
               <a:rPr lang="en-US" smtClean="0"/>
               <a:pPr/>
-              <a:t>2/3/19</a:t>
+              <a:t>2/4/19</a:t>
             </a:fld>
             <a:endParaRPr lang="en-US" dirty="0"/>
           </a:p>
@@ -3351,6 +3356,38 @@
         </p:nvSpPr>
         <p:spPr/>
         <p:txBody>
+          <a:bodyPr>
+            <a:normAutofit/>
+          </a:bodyPr>
+          <a:lstStyle/>
+          <a:p>
+            <a:r>
+              <a:rPr lang="en-US" sz="4000" b="1" dirty="0">
+                <a:cs typeface="Arial" panose="020B0604020202020204" pitchFamily="34" charset="0"/>
+              </a:rPr>
+              <a:t>Empirical Green’s function method to estimate large earthquake</a:t>
+            </a:r>
+          </a:p>
+        </p:txBody>
+      </p:sp>
+      <p:sp>
+        <p:nvSpPr>
+          <p:cNvPr id="3" name="Subtitle 2">
+            <a:extLst>
+              <a:ext uri="{FF2B5EF4-FFF2-40B4-BE49-F238E27FC236}">
+                <a16:creationId xmlns:a16="http://schemas.microsoft.com/office/drawing/2014/main" id="{E20D0FD4-7177-B241-B04C-C8050E3E85C6}"/>
+              </a:ext>
+            </a:extLst>
+          </p:cNvPr>
+          <p:cNvSpPr>
+            <a:spLocks noGrp="1"/>
+          </p:cNvSpPr>
+          <p:nvPr>
+            <p:ph type="subTitle" idx="1"/>
+          </p:nvPr>
+        </p:nvSpPr>
+        <p:spPr/>
+        <p:txBody>
           <a:bodyPr/>
           <a:lstStyle/>
           <a:p>
@@ -3358,31 +3395,9 @@
               <a:rPr lang="en-US" dirty="0">
                 <a:cs typeface="Arial" panose="020B0604020202020204" pitchFamily="34" charset="0"/>
               </a:rPr>
-              <a:t>EGF exercise</a:t>
-            </a:r>
-          </a:p>
-        </p:txBody>
-      </p:sp>
-      <p:sp>
-        <p:nvSpPr>
-          <p:cNvPr id="3" name="Subtitle 2">
-            <a:extLst>
-              <a:ext uri="{FF2B5EF4-FFF2-40B4-BE49-F238E27FC236}">
-                <a16:creationId xmlns:a16="http://schemas.microsoft.com/office/drawing/2014/main" id="{E20D0FD4-7177-B241-B04C-C8050E3E85C6}"/>
-              </a:ext>
-            </a:extLst>
-          </p:cNvPr>
-          <p:cNvSpPr>
-            <a:spLocks noGrp="1"/>
-          </p:cNvSpPr>
-          <p:nvPr>
-            <p:ph type="subTitle" idx="1"/>
-          </p:nvPr>
-        </p:nvSpPr>
-        <p:spPr/>
-        <p:txBody>
-          <a:bodyPr/>
-          <a:lstStyle/>
+              <a:t>02/04/2019</a:t>
+            </a:r>
+          </a:p>
           <a:p>
             <a:r>
               <a:rPr lang="en-US" dirty="0" err="1">
@@ -3452,7 +3467,7 @@
         <p:spPr>
           <a:xfrm>
             <a:off x="1156953" y="762080"/>
-            <a:ext cx="7071832" cy="6095920"/>
+            <a:ext cx="7071832" cy="6095919"/>
           </a:xfrm>
           <a:prstGeom prst="rect">
             <a:avLst/>
@@ -4153,12 +4168,176 @@
           </a:prstGeom>
         </p:spPr>
       </p:pic>
+      <p:sp>
+        <p:nvSpPr>
+          <p:cNvPr id="10" name="TextBox 9">
+            <a:extLst>
+              <a:ext uri="{FF2B5EF4-FFF2-40B4-BE49-F238E27FC236}">
+                <a16:creationId xmlns:a16="http://schemas.microsoft.com/office/drawing/2014/main" id="{D8658248-1394-BE48-B31B-0E2F6B8208C7}"/>
+              </a:ext>
+            </a:extLst>
+          </p:cNvPr>
+          <p:cNvSpPr txBox="1"/>
+          <p:nvPr/>
+        </p:nvSpPr>
+        <p:spPr>
+          <a:xfrm>
+            <a:off x="5297213" y="5234152"/>
+            <a:ext cx="2148345" cy="338554"/>
+          </a:xfrm>
+          <a:prstGeom prst="rect">
+            <a:avLst/>
+          </a:prstGeom>
+          <a:noFill/>
+        </p:spPr>
+        <p:txBody>
+          <a:bodyPr wrap="none" rtlCol="0">
+            <a:spAutoFit/>
+          </a:bodyPr>
+          <a:lstStyle/>
+          <a:p>
+            <a:r>
+              <a:rPr lang="en-US" sz="1600" dirty="0" err="1">
+                <a:latin typeface="Arial Regular"/>
+                <a:cs typeface="Arial" panose="020B0604020202020204" pitchFamily="34" charset="0"/>
+              </a:rPr>
+              <a:t>Wössner</a:t>
+            </a:r>
+            <a:r>
+              <a:rPr lang="en-US" sz="1600" dirty="0">
+                <a:latin typeface="Arial Regular"/>
+                <a:cs typeface="Arial" panose="020B0604020202020204" pitchFamily="34" charset="0"/>
+              </a:rPr>
+              <a:t> et al. (2002)</a:t>
+            </a:r>
+          </a:p>
+        </p:txBody>
+      </p:sp>
+      <p:sp>
+        <p:nvSpPr>
+          <p:cNvPr id="13" name="Title 3">
+            <a:extLst>
+              <a:ext uri="{FF2B5EF4-FFF2-40B4-BE49-F238E27FC236}">
+                <a16:creationId xmlns:a16="http://schemas.microsoft.com/office/drawing/2014/main" id="{FD2E9AFC-C0A8-C840-88FA-F69E9D6CBFBF}"/>
+              </a:ext>
+            </a:extLst>
+          </p:cNvPr>
+          <p:cNvSpPr>
+            <a:spLocks noGrp="1"/>
+          </p:cNvSpPr>
+          <p:nvPr>
+            <p:ph type="title"/>
+          </p:nvPr>
+        </p:nvSpPr>
+        <p:spPr>
+          <a:xfrm>
+            <a:off x="696311" y="-155137"/>
+            <a:ext cx="10515600" cy="1325563"/>
+          </a:xfrm>
+        </p:spPr>
+        <p:txBody>
+          <a:bodyPr/>
+          <a:lstStyle/>
+          <a:p>
+            <a:r>
+              <a:rPr lang="en-US" dirty="0"/>
+              <a:t>Methodology</a:t>
+            </a:r>
+          </a:p>
+        </p:txBody>
+      </p:sp>
+      <p:sp>
+        <p:nvSpPr>
+          <p:cNvPr id="15" name="TextBox 14">
+            <a:extLst>
+              <a:ext uri="{FF2B5EF4-FFF2-40B4-BE49-F238E27FC236}">
+                <a16:creationId xmlns:a16="http://schemas.microsoft.com/office/drawing/2014/main" id="{9808D5F3-78AB-2640-9F06-ED85188020C8}"/>
+              </a:ext>
+            </a:extLst>
+          </p:cNvPr>
+          <p:cNvSpPr txBox="1"/>
+          <p:nvPr/>
+        </p:nvSpPr>
+        <p:spPr>
+          <a:xfrm>
+            <a:off x="7581555" y="952002"/>
+            <a:ext cx="3895741" cy="4832092"/>
+          </a:xfrm>
+          <a:prstGeom prst="rect">
+            <a:avLst/>
+          </a:prstGeom>
+          <a:noFill/>
+        </p:spPr>
+        <p:txBody>
+          <a:bodyPr wrap="square" rtlCol="0">
+            <a:spAutoFit/>
+          </a:bodyPr>
+          <a:lstStyle/>
+          <a:p>
+            <a:pPr marL="342900" indent="-342900">
+              <a:buFont typeface="Arial" panose="020B0604020202020204" pitchFamily="34" charset="0"/>
+              <a:buChar char="•"/>
+            </a:pPr>
+            <a:r>
+              <a:rPr lang="en-US" sz="2200" dirty="0">
+                <a:latin typeface="Arial" panose="020B0604020202020204" pitchFamily="34" charset="0"/>
+                <a:cs typeface="Arial" panose="020B0604020202020204" pitchFamily="34" charset="0"/>
+              </a:rPr>
+              <a:t>We use a waveform of small Event (e.g. after shocks) as Empirical Green’s function.</a:t>
+            </a:r>
+          </a:p>
+          <a:p>
+            <a:endParaRPr lang="en-US" sz="2200" dirty="0">
+              <a:latin typeface="Arial" panose="020B0604020202020204" pitchFamily="34" charset="0"/>
+              <a:cs typeface="Arial" panose="020B0604020202020204" pitchFamily="34" charset="0"/>
+            </a:endParaRPr>
+          </a:p>
+          <a:p>
+            <a:pPr marL="342900" indent="-342900">
+              <a:buFont typeface="Arial" panose="020B0604020202020204" pitchFamily="34" charset="0"/>
+              <a:buChar char="•"/>
+            </a:pPr>
+            <a:r>
+              <a:rPr lang="en-US" sz="2200" dirty="0">
+                <a:latin typeface="Arial" panose="020B0604020202020204" pitchFamily="34" charset="0"/>
+                <a:cs typeface="Arial" panose="020B0604020202020204" pitchFamily="34" charset="0"/>
+              </a:rPr>
+              <a:t>Thus we assume that every element fault radiates in a same way with small event. </a:t>
+            </a:r>
+          </a:p>
+          <a:p>
+            <a:endParaRPr lang="en-US" sz="2200" dirty="0">
+              <a:latin typeface="Arial" panose="020B0604020202020204" pitchFamily="34" charset="0"/>
+              <a:cs typeface="Arial" panose="020B0604020202020204" pitchFamily="34" charset="0"/>
+            </a:endParaRPr>
+          </a:p>
+          <a:p>
+            <a:pPr marL="342900" indent="-342900">
+              <a:buFont typeface="Arial" panose="020B0604020202020204" pitchFamily="34" charset="0"/>
+              <a:buChar char="•"/>
+            </a:pPr>
+            <a:r>
+              <a:rPr lang="en-US" sz="2200" dirty="0">
+                <a:latin typeface="Arial" panose="020B0604020202020204" pitchFamily="34" charset="0"/>
+                <a:cs typeface="Arial" panose="020B0604020202020204" pitchFamily="34" charset="0"/>
+              </a:rPr>
+              <a:t>Compute time delay due to the rupture propagation and rise time.</a:t>
+            </a:r>
+          </a:p>
+          <a:p>
+            <a:endParaRPr lang="en-US" sz="2200" dirty="0">
+              <a:latin typeface="Arial" panose="020B0604020202020204" pitchFamily="34" charset="0"/>
+              <a:cs typeface="Arial" panose="020B0604020202020204" pitchFamily="34" charset="0"/>
+            </a:endParaRPr>
+          </a:p>
+        </p:txBody>
+      </p:sp>
       <p:pic>
         <p:nvPicPr>
-          <p:cNvPr id="9" name="Picture 8">
-            <a:extLst>
-              <a:ext uri="{FF2B5EF4-FFF2-40B4-BE49-F238E27FC236}">
-                <a16:creationId xmlns:a16="http://schemas.microsoft.com/office/drawing/2014/main" id="{429B5E06-73ED-6F4E-BFAD-6C36FEB21CF2}"/>
+          <p:cNvPr id="3" name="Picture 2">
+            <a:extLst>
+              <a:ext uri="{FF2B5EF4-FFF2-40B4-BE49-F238E27FC236}">
+                <a16:creationId xmlns:a16="http://schemas.microsoft.com/office/drawing/2014/main" id="{5D6E7F3E-BAA5-114C-9D1B-8797EC469FD9}"/>
               </a:ext>
             </a:extLst>
           </p:cNvPr>
@@ -4175,8 +4354,8 @@
         </p:blipFill>
         <p:spPr>
           <a:xfrm>
-            <a:off x="3585704" y="5754414"/>
-            <a:ext cx="5571364" cy="955346"/>
+            <a:off x="3386928" y="5891981"/>
+            <a:ext cx="5615371" cy="937355"/>
           </a:xfrm>
           <a:prstGeom prst="rect">
             <a:avLst/>
@@ -4185,88 +4364,55 @@
       </p:pic>
       <p:sp>
         <p:nvSpPr>
-          <p:cNvPr id="10" name="TextBox 9">
-            <a:extLst>
-              <a:ext uri="{FF2B5EF4-FFF2-40B4-BE49-F238E27FC236}">
-                <a16:creationId xmlns:a16="http://schemas.microsoft.com/office/drawing/2014/main" id="{D8658248-1394-BE48-B31B-0E2F6B8208C7}"/>
-              </a:ext>
-            </a:extLst>
-          </p:cNvPr>
-          <p:cNvSpPr txBox="1"/>
+          <p:cNvPr id="4" name="Rectangle 3">
+            <a:extLst>
+              <a:ext uri="{FF2B5EF4-FFF2-40B4-BE49-F238E27FC236}">
+                <a16:creationId xmlns:a16="http://schemas.microsoft.com/office/drawing/2014/main" id="{A95889C5-2958-A64B-96C1-4C1444A7D16F}"/>
+              </a:ext>
+            </a:extLst>
+          </p:cNvPr>
+          <p:cNvSpPr/>
           <p:nvPr/>
         </p:nvSpPr>
         <p:spPr>
           <a:xfrm>
-            <a:off x="5297213" y="5234152"/>
-            <a:ext cx="2148345" cy="338554"/>
+            <a:off x="5816912" y="5963478"/>
+            <a:ext cx="1008993" cy="368303"/>
           </a:xfrm>
           <a:prstGeom prst="rect">
             <a:avLst/>
           </a:prstGeom>
           <a:noFill/>
         </p:spPr>
-        <p:txBody>
-          <a:bodyPr wrap="none" rtlCol="0">
-            <a:spAutoFit/>
-          </a:bodyPr>
-          <a:lstStyle/>
-          <a:p>
-            <a:r>
-              <a:rPr lang="en-US" sz="1600" dirty="0" err="1">
-                <a:latin typeface="Arial Regular"/>
-                <a:cs typeface="Arial" panose="020B0604020202020204" pitchFamily="34" charset="0"/>
-              </a:rPr>
-              <a:t>Wössner</a:t>
-            </a:r>
-            <a:r>
-              <a:rPr lang="en-US" sz="1600" dirty="0">
-                <a:latin typeface="Arial Regular"/>
-                <a:cs typeface="Arial" panose="020B0604020202020204" pitchFamily="34" charset="0"/>
-              </a:rPr>
-              <a:t> et al. (2002)</a:t>
-            </a:r>
-          </a:p>
-        </p:txBody>
-      </p:sp>
-      <p:sp>
-        <p:nvSpPr>
-          <p:cNvPr id="13" name="Title 3">
-            <a:extLst>
-              <a:ext uri="{FF2B5EF4-FFF2-40B4-BE49-F238E27FC236}">
-                <a16:creationId xmlns:a16="http://schemas.microsoft.com/office/drawing/2014/main" id="{FD2E9AFC-C0A8-C840-88FA-F69E9D6CBFBF}"/>
-              </a:ext>
-            </a:extLst>
-          </p:cNvPr>
-          <p:cNvSpPr>
-            <a:spLocks noGrp="1"/>
-          </p:cNvSpPr>
-          <p:nvPr>
-            <p:ph type="title"/>
-          </p:nvPr>
-        </p:nvSpPr>
-        <p:spPr>
-          <a:xfrm>
-            <a:off x="696311" y="-155137"/>
-            <a:ext cx="10515600" cy="1325563"/>
-          </a:xfrm>
-        </p:spPr>
-        <p:txBody>
-          <a:bodyPr/>
-          <a:lstStyle/>
-          <a:p>
-            <a:r>
-              <a:rPr lang="en-US" dirty="0"/>
-              <a:t>Methodology</a:t>
-            </a:r>
-          </a:p>
-        </p:txBody>
-      </p:sp>
-      <p:sp>
-        <p:nvSpPr>
-          <p:cNvPr id="15" name="TextBox 14">
-            <a:extLst>
-              <a:ext uri="{FF2B5EF4-FFF2-40B4-BE49-F238E27FC236}">
-                <a16:creationId xmlns:a16="http://schemas.microsoft.com/office/drawing/2014/main" id="{9808D5F3-78AB-2640-9F06-ED85188020C8}"/>
+        <p:style>
+          <a:lnRef idx="2">
+            <a:schemeClr val="accent2"/>
+          </a:lnRef>
+          <a:fillRef idx="1">
+            <a:schemeClr val="lt1"/>
+          </a:fillRef>
+          <a:effectRef idx="0">
+            <a:schemeClr val="accent2"/>
+          </a:effectRef>
+          <a:fontRef idx="minor">
+            <a:schemeClr val="dk1"/>
+          </a:fontRef>
+        </p:style>
+        <p:txBody>
+          <a:bodyPr rtlCol="0" anchor="ctr"/>
+          <a:lstStyle/>
+          <a:p>
+            <a:pPr algn="ctr"/>
+            <a:endParaRPr lang="en-US"/>
+          </a:p>
+        </p:txBody>
+      </p:sp>
+      <p:sp>
+        <p:nvSpPr>
+          <p:cNvPr id="11" name="TextBox 10">
+            <a:extLst>
+              <a:ext uri="{FF2B5EF4-FFF2-40B4-BE49-F238E27FC236}">
+                <a16:creationId xmlns:a16="http://schemas.microsoft.com/office/drawing/2014/main" id="{DBEB3C2F-FCB0-B540-ABA4-8B340A0D4FBB}"/>
               </a:ext>
             </a:extLst>
           </p:cNvPr>
@@ -4275,8 +4421,8 @@
         </p:nvSpPr>
         <p:spPr>
           <a:xfrm>
-            <a:off x="7581555" y="952002"/>
-            <a:ext cx="3895741" cy="4832092"/>
+            <a:off x="6825905" y="5855591"/>
+            <a:ext cx="3504486" cy="338554"/>
           </a:xfrm>
           <a:prstGeom prst="rect">
             <a:avLst/>
@@ -4284,66 +4430,23 @@
           <a:noFill/>
         </p:spPr>
         <p:txBody>
-          <a:bodyPr wrap="square" rtlCol="0">
+          <a:bodyPr wrap="none" rtlCol="0">
             <a:spAutoFit/>
           </a:bodyPr>
           <a:lstStyle/>
           <a:p>
-            <a:pPr marL="342900" indent="-342900">
-              <a:buFont typeface="Arial" panose="020B0604020202020204" pitchFamily="34" charset="0"/>
-              <a:buChar char="•"/>
-            </a:pPr>
-            <a:r>
-              <a:rPr lang="en-US" sz="2200" dirty="0">
-                <a:latin typeface="Arial" panose="020B0604020202020204" pitchFamily="34" charset="0"/>
+            <a:r>
+              <a:rPr lang="en-US" sz="1600" dirty="0">
+                <a:solidFill>
+                  <a:schemeClr val="accent2">
+                    <a:lumMod val="75000"/>
+                  </a:schemeClr>
+                </a:solidFill>
+                <a:latin typeface="Arial Regular"/>
                 <a:cs typeface="Arial" panose="020B0604020202020204" pitchFamily="34" charset="0"/>
               </a:rPr>
-              <a:t>We use a waveform of small Event (e.g. after shocks) as Empirical Green’s function.</a:t>
-            </a:r>
-          </a:p>
-          <a:p>
-            <a:endParaRPr lang="en-US" sz="2200" dirty="0">
-              <a:latin typeface="Arial" panose="020B0604020202020204" pitchFamily="34" charset="0"/>
-              <a:cs typeface="Arial" panose="020B0604020202020204" pitchFamily="34" charset="0"/>
-            </a:endParaRPr>
-          </a:p>
-          <a:p>
-            <a:pPr marL="342900" indent="-342900">
-              <a:buFont typeface="Arial" panose="020B0604020202020204" pitchFamily="34" charset="0"/>
-              <a:buChar char="•"/>
-            </a:pPr>
-            <a:r>
-              <a:rPr lang="en-US" sz="2200" dirty="0">
-                <a:latin typeface="Arial" panose="020B0604020202020204" pitchFamily="34" charset="0"/>
-                <a:cs typeface="Arial" panose="020B0604020202020204" pitchFamily="34" charset="0"/>
-              </a:rPr>
-              <a:t>Thus we assume that every element fault radiates in a same way with small event. </a:t>
-            </a:r>
-          </a:p>
-          <a:p>
-            <a:endParaRPr lang="en-US" sz="2200" dirty="0">
-              <a:latin typeface="Arial" panose="020B0604020202020204" pitchFamily="34" charset="0"/>
-              <a:cs typeface="Arial" panose="020B0604020202020204" pitchFamily="34" charset="0"/>
-            </a:endParaRPr>
-          </a:p>
-          <a:p>
-            <a:pPr marL="342900" indent="-342900">
-              <a:buFont typeface="Arial" panose="020B0604020202020204" pitchFamily="34" charset="0"/>
-              <a:buChar char="•"/>
-            </a:pPr>
-            <a:r>
-              <a:rPr lang="en-US" sz="2200" dirty="0">
-                <a:latin typeface="Arial" panose="020B0604020202020204" pitchFamily="34" charset="0"/>
-                <a:cs typeface="Arial" panose="020B0604020202020204" pitchFamily="34" charset="0"/>
-              </a:rPr>
-              <a:t>Compute time delay due to the rupture propagation and rise time.</a:t>
-            </a:r>
-          </a:p>
-          <a:p>
-            <a:endParaRPr lang="en-US" sz="2200" dirty="0">
-              <a:latin typeface="Arial" panose="020B0604020202020204" pitchFamily="34" charset="0"/>
-              <a:cs typeface="Arial" panose="020B0604020202020204" pitchFamily="34" charset="0"/>
-            </a:endParaRPr>
+              <a:t>Seismic moment on an element fault</a:t>
+            </a:r>
           </a:p>
         </p:txBody>
       </p:sp>
